--- a/Apresentacao_2.pptx
+++ b/Apresentacao_2.pptx
@@ -2083,26 +2083,26 @@
     </dgm:pt>
   </dgm:ptLst>
   <dgm:cxnLst>
+    <dgm:cxn modelId="{F6D31469-7377-4F55-8848-C919443C1579}" srcId="{B3D1AC36-ADB9-40BC-B5BC-401E8DA75CD2}" destId="{A449FC4B-320B-454F-8F3D-4C0A756C134F}" srcOrd="1" destOrd="0" parTransId="{BD36B0A4-BFD4-4BF7-AB7B-783C835404A4}" sibTransId="{A0DD3576-D886-4CED-98B2-77CB191B9593}"/>
+    <dgm:cxn modelId="{5ADC306D-199C-4A8F-BBFC-76FD2B655B23}" srcId="{B3D1AC36-ADB9-40BC-B5BC-401E8DA75CD2}" destId="{1215FF01-D7D7-41C7-ABD3-4C480E2291C3}" srcOrd="2" destOrd="0" parTransId="{3FBF961F-8E72-4A6A-875D-DEB5B23EA3FE}" sibTransId="{BA46A00B-4260-4786-88C5-B21FD11C026A}"/>
+    <dgm:cxn modelId="{AFEF667A-6F45-4D95-B64E-7002432F3C13}" type="presOf" srcId="{8BB94378-A22A-482F-9EA5-4C0EC7F2279F}" destId="{C36FF432-0BC8-4323-BA15-94BA34DB5CC1}" srcOrd="0" destOrd="0" presId="urn:microsoft.com/office/officeart/2005/8/layout/vProcess5"/>
+    <dgm:cxn modelId="{03527DBD-7934-4E01-805B-0FB14237EF21}" type="presOf" srcId="{E530CFD0-55F3-4E62-BD84-2358C6481E5D}" destId="{B8E0166C-CC39-473F-9ED8-38BDC3F1E7BC}" srcOrd="1" destOrd="0" presId="urn:microsoft.com/office/officeart/2005/8/layout/vProcess5"/>
     <dgm:cxn modelId="{8A83E52E-1DB3-4364-800E-2BD775948F35}" type="presOf" srcId="{CAD50634-69BF-41C9-A9C0-B4B3ACE60990}" destId="{8FB39AF3-00BA-499E-B2F5-C8C4AC2F93AC}" srcOrd="1" destOrd="0" presId="urn:microsoft.com/office/officeart/2005/8/layout/vProcess5"/>
     <dgm:cxn modelId="{22BE00EB-62B2-4CD9-BDC6-5CF764C748CD}" type="presOf" srcId="{1215FF01-D7D7-41C7-ABD3-4C480E2291C3}" destId="{76E4B384-8F55-46EF-9DDF-80179A91A470}" srcOrd="1" destOrd="0" presId="urn:microsoft.com/office/officeart/2005/8/layout/vProcess5"/>
-    <dgm:cxn modelId="{AFEF667A-6F45-4D95-B64E-7002432F3C13}" type="presOf" srcId="{8BB94378-A22A-482F-9EA5-4C0EC7F2279F}" destId="{C36FF432-0BC8-4323-BA15-94BA34DB5CC1}" srcOrd="0" destOrd="0" presId="urn:microsoft.com/office/officeart/2005/8/layout/vProcess5"/>
-    <dgm:cxn modelId="{5ADC306D-199C-4A8F-BBFC-76FD2B655B23}" srcId="{B3D1AC36-ADB9-40BC-B5BC-401E8DA75CD2}" destId="{1215FF01-D7D7-41C7-ABD3-4C480E2291C3}" srcOrd="2" destOrd="0" parTransId="{3FBF961F-8E72-4A6A-875D-DEB5B23EA3FE}" sibTransId="{BA46A00B-4260-4786-88C5-B21FD11C026A}"/>
+    <dgm:cxn modelId="{11B12B42-F099-4DD2-BD1F-2FF88C452440}" type="presOf" srcId="{E530CFD0-55F3-4E62-BD84-2358C6481E5D}" destId="{FEB8B2B1-005D-4392-9327-2F08AFCBF153}" srcOrd="0" destOrd="0" presId="urn:microsoft.com/office/officeart/2005/8/layout/vProcess5"/>
+    <dgm:cxn modelId="{110181A1-15C6-4D56-8B6E-30F09ADD2F92}" type="presOf" srcId="{E41E3EAC-FA68-4D63-9FEF-9EDAA3B960D2}" destId="{F10344A3-D5FB-4A33-867D-BB896676605F}" srcOrd="0" destOrd="0" presId="urn:microsoft.com/office/officeart/2005/8/layout/vProcess5"/>
+    <dgm:cxn modelId="{05EE2E74-FE7E-458B-9EFB-7170A5918D88}" type="presOf" srcId="{A0DD3576-D886-4CED-98B2-77CB191B9593}" destId="{6AD50F06-FD06-415F-9FB0-FD0879FC3528}" srcOrd="0" destOrd="0" presId="urn:microsoft.com/office/officeart/2005/8/layout/vProcess5"/>
+    <dgm:cxn modelId="{150D6E73-4B74-46E5-B841-D6BACA4C2B26}" type="presOf" srcId="{CAD50634-69BF-41C9-A9C0-B4B3ACE60990}" destId="{A304F91C-97BD-4D49-86CB-BDF5405659B6}" srcOrd="0" destOrd="0" presId="urn:microsoft.com/office/officeart/2005/8/layout/vProcess5"/>
+    <dgm:cxn modelId="{A759DA81-1121-4C75-A9DD-95DEA858D667}" type="presOf" srcId="{1215FF01-D7D7-41C7-ABD3-4C480E2291C3}" destId="{E1871E04-B93D-4B16-B959-94B55AAC5ABB}" srcOrd="0" destOrd="0" presId="urn:microsoft.com/office/officeart/2005/8/layout/vProcess5"/>
+    <dgm:cxn modelId="{29C7DB9C-0269-4DE2-9647-E88F7E098611}" type="presOf" srcId="{B3D1AC36-ADB9-40BC-B5BC-401E8DA75CD2}" destId="{8D1C080D-6ED3-4E65-B82B-136A31CF6FA3}" srcOrd="0" destOrd="0" presId="urn:microsoft.com/office/officeart/2005/8/layout/vProcess5"/>
+    <dgm:cxn modelId="{3F66E258-9081-4EC9-8E16-7B69F6A7B9E9}" srcId="{B3D1AC36-ADB9-40BC-B5BC-401E8DA75CD2}" destId="{E530CFD0-55F3-4E62-BD84-2358C6481E5D}" srcOrd="0" destOrd="0" parTransId="{4EEB3398-5253-4E70-B421-D146C5C0E92D}" sibTransId="{8BB94378-A22A-482F-9EA5-4C0EC7F2279F}"/>
+    <dgm:cxn modelId="{854C56DF-2DE4-4285-97D1-B68261090390}" srcId="{B3D1AC36-ADB9-40BC-B5BC-401E8DA75CD2}" destId="{CAD50634-69BF-41C9-A9C0-B4B3ACE60990}" srcOrd="4" destOrd="0" parTransId="{6B6E5F31-E935-453B-8DAD-A7A71E4BBE5D}" sibTransId="{0AA8E771-4A97-4A37-9ED7-959F488F59B1}"/>
+    <dgm:cxn modelId="{4588490E-7068-4D8F-AC19-5D28AE015E58}" type="presOf" srcId="{A449FC4B-320B-454F-8F3D-4C0A756C134F}" destId="{8413CC00-8A5B-4BCF-B839-87AEAB7EFA9E}" srcOrd="0" destOrd="0" presId="urn:microsoft.com/office/officeart/2005/8/layout/vProcess5"/>
+    <dgm:cxn modelId="{BCF1141F-68D0-4AA4-9938-2FE905EF5C5D}" type="presOf" srcId="{BBCB4013-F0B9-41D9-BD2E-E766E6C5FBA1}" destId="{231936AE-BE90-4D35-AEC0-17C495E035E0}" srcOrd="1" destOrd="0" presId="urn:microsoft.com/office/officeart/2005/8/layout/vProcess5"/>
+    <dgm:cxn modelId="{A309E8EA-A93B-4313-99DD-94E7A7642936}" type="presOf" srcId="{BA46A00B-4260-4786-88C5-B21FD11C026A}" destId="{31D978D9-AF01-4997-ADD0-48C42DD73FF6}" srcOrd="0" destOrd="0" presId="urn:microsoft.com/office/officeart/2005/8/layout/vProcess5"/>
     <dgm:cxn modelId="{94EE3B0A-97E9-4152-803C-D0D8F98F9828}" type="presOf" srcId="{A449FC4B-320B-454F-8F3D-4C0A756C134F}" destId="{A6A0483D-17B8-4734-86A9-44E302674D4E}" srcOrd="1" destOrd="0" presId="urn:microsoft.com/office/officeart/2005/8/layout/vProcess5"/>
-    <dgm:cxn modelId="{05EE2E74-FE7E-458B-9EFB-7170A5918D88}" type="presOf" srcId="{A0DD3576-D886-4CED-98B2-77CB191B9593}" destId="{6AD50F06-FD06-415F-9FB0-FD0879FC3528}" srcOrd="0" destOrd="0" presId="urn:microsoft.com/office/officeart/2005/8/layout/vProcess5"/>
-    <dgm:cxn modelId="{854C56DF-2DE4-4285-97D1-B68261090390}" srcId="{B3D1AC36-ADB9-40BC-B5BC-401E8DA75CD2}" destId="{CAD50634-69BF-41C9-A9C0-B4B3ACE60990}" srcOrd="4" destOrd="0" parTransId="{6B6E5F31-E935-453B-8DAD-A7A71E4BBE5D}" sibTransId="{0AA8E771-4A97-4A37-9ED7-959F488F59B1}"/>
-    <dgm:cxn modelId="{03527DBD-7934-4E01-805B-0FB14237EF21}" type="presOf" srcId="{E530CFD0-55F3-4E62-BD84-2358C6481E5D}" destId="{B8E0166C-CC39-473F-9ED8-38BDC3F1E7BC}" srcOrd="1" destOrd="0" presId="urn:microsoft.com/office/officeart/2005/8/layout/vProcess5"/>
-    <dgm:cxn modelId="{A759DA81-1121-4C75-A9DD-95DEA858D667}" type="presOf" srcId="{1215FF01-D7D7-41C7-ABD3-4C480E2291C3}" destId="{E1871E04-B93D-4B16-B959-94B55AAC5ABB}" srcOrd="0" destOrd="0" presId="urn:microsoft.com/office/officeart/2005/8/layout/vProcess5"/>
-    <dgm:cxn modelId="{F6D31469-7377-4F55-8848-C919443C1579}" srcId="{B3D1AC36-ADB9-40BC-B5BC-401E8DA75CD2}" destId="{A449FC4B-320B-454F-8F3D-4C0A756C134F}" srcOrd="1" destOrd="0" parTransId="{BD36B0A4-BFD4-4BF7-AB7B-783C835404A4}" sibTransId="{A0DD3576-D886-4CED-98B2-77CB191B9593}"/>
+    <dgm:cxn modelId="{9D3D7AFC-1B99-41C2-941F-F171520BCB59}" type="presOf" srcId="{BBCB4013-F0B9-41D9-BD2E-E766E6C5FBA1}" destId="{EBFB4198-1EA2-43AA-8706-BD6FF891507A}" srcOrd="0" destOrd="0" presId="urn:microsoft.com/office/officeart/2005/8/layout/vProcess5"/>
     <dgm:cxn modelId="{0520615E-D547-47C3-BC96-F73D2AB4286F}" srcId="{B3D1AC36-ADB9-40BC-B5BC-401E8DA75CD2}" destId="{BBCB4013-F0B9-41D9-BD2E-E766E6C5FBA1}" srcOrd="3" destOrd="0" parTransId="{A189B584-468A-4DB0-A6DF-065927096B66}" sibTransId="{E41E3EAC-FA68-4D63-9FEF-9EDAA3B960D2}"/>
-    <dgm:cxn modelId="{150D6E73-4B74-46E5-B841-D6BACA4C2B26}" type="presOf" srcId="{CAD50634-69BF-41C9-A9C0-B4B3ACE60990}" destId="{A304F91C-97BD-4D49-86CB-BDF5405659B6}" srcOrd="0" destOrd="0" presId="urn:microsoft.com/office/officeart/2005/8/layout/vProcess5"/>
-    <dgm:cxn modelId="{BCF1141F-68D0-4AA4-9938-2FE905EF5C5D}" type="presOf" srcId="{BBCB4013-F0B9-41D9-BD2E-E766E6C5FBA1}" destId="{231936AE-BE90-4D35-AEC0-17C495E035E0}" srcOrd="1" destOrd="0" presId="urn:microsoft.com/office/officeart/2005/8/layout/vProcess5"/>
-    <dgm:cxn modelId="{3F66E258-9081-4EC9-8E16-7B69F6A7B9E9}" srcId="{B3D1AC36-ADB9-40BC-B5BC-401E8DA75CD2}" destId="{E530CFD0-55F3-4E62-BD84-2358C6481E5D}" srcOrd="0" destOrd="0" parTransId="{4EEB3398-5253-4E70-B421-D146C5C0E92D}" sibTransId="{8BB94378-A22A-482F-9EA5-4C0EC7F2279F}"/>
-    <dgm:cxn modelId="{11B12B42-F099-4DD2-BD1F-2FF88C452440}" type="presOf" srcId="{E530CFD0-55F3-4E62-BD84-2358C6481E5D}" destId="{FEB8B2B1-005D-4392-9327-2F08AFCBF153}" srcOrd="0" destOrd="0" presId="urn:microsoft.com/office/officeart/2005/8/layout/vProcess5"/>
-    <dgm:cxn modelId="{4588490E-7068-4D8F-AC19-5D28AE015E58}" type="presOf" srcId="{A449FC4B-320B-454F-8F3D-4C0A756C134F}" destId="{8413CC00-8A5B-4BCF-B839-87AEAB7EFA9E}" srcOrd="0" destOrd="0" presId="urn:microsoft.com/office/officeart/2005/8/layout/vProcess5"/>
-    <dgm:cxn modelId="{A309E8EA-A93B-4313-99DD-94E7A7642936}" type="presOf" srcId="{BA46A00B-4260-4786-88C5-B21FD11C026A}" destId="{31D978D9-AF01-4997-ADD0-48C42DD73FF6}" srcOrd="0" destOrd="0" presId="urn:microsoft.com/office/officeart/2005/8/layout/vProcess5"/>
-    <dgm:cxn modelId="{9D3D7AFC-1B99-41C2-941F-F171520BCB59}" type="presOf" srcId="{BBCB4013-F0B9-41D9-BD2E-E766E6C5FBA1}" destId="{EBFB4198-1EA2-43AA-8706-BD6FF891507A}" srcOrd="0" destOrd="0" presId="urn:microsoft.com/office/officeart/2005/8/layout/vProcess5"/>
-    <dgm:cxn modelId="{110181A1-15C6-4D56-8B6E-30F09ADD2F92}" type="presOf" srcId="{E41E3EAC-FA68-4D63-9FEF-9EDAA3B960D2}" destId="{F10344A3-D5FB-4A33-867D-BB896676605F}" srcOrd="0" destOrd="0" presId="urn:microsoft.com/office/officeart/2005/8/layout/vProcess5"/>
-    <dgm:cxn modelId="{29C7DB9C-0269-4DE2-9647-E88F7E098611}" type="presOf" srcId="{B3D1AC36-ADB9-40BC-B5BC-401E8DA75CD2}" destId="{8D1C080D-6ED3-4E65-B82B-136A31CF6FA3}" srcOrd="0" destOrd="0" presId="urn:microsoft.com/office/officeart/2005/8/layout/vProcess5"/>
     <dgm:cxn modelId="{A70C71C5-CDDB-43E7-B62C-2237573F3092}" type="presParOf" srcId="{8D1C080D-6ED3-4E65-B82B-136A31CF6FA3}" destId="{AF0D05FB-D0F7-4CE7-A4A0-BD289485EE79}" srcOrd="0" destOrd="0" presId="urn:microsoft.com/office/officeart/2005/8/layout/vProcess5"/>
     <dgm:cxn modelId="{6053711B-EC41-4701-BC3C-E83DFBEC02DC}" type="presParOf" srcId="{8D1C080D-6ED3-4E65-B82B-136A31CF6FA3}" destId="{FEB8B2B1-005D-4392-9327-2F08AFCBF153}" srcOrd="1" destOrd="0" presId="urn:microsoft.com/office/officeart/2005/8/layout/vProcess5"/>
     <dgm:cxn modelId="{A1B0E965-AB64-4258-AF43-61995791B904}" type="presParOf" srcId="{8D1C080D-6ED3-4E65-B82B-136A31CF6FA3}" destId="{8413CC00-8A5B-4BCF-B839-87AEAB7EFA9E}" srcOrd="2" destOrd="0" presId="urn:microsoft.com/office/officeart/2005/8/layout/vProcess5"/>
@@ -2123,7 +2123,7 @@
   <dgm:whole/>
   <dgm:extLst>
     <a:ext uri="http://schemas.microsoft.com/office/drawing/2008/diagram">
-      <dsp:dataModelExt xmlns:dsp="http://schemas.microsoft.com/office/drawing/2008/diagram" relId="rId6" minVer="http://schemas.openxmlformats.org/drawingml/2006/diagram"/>
+      <dsp:dataModelExt xmlns:dsp="http://schemas.microsoft.com/office/drawing/2008/diagram" xmlns="" relId="rId6" minVer="http://schemas.openxmlformats.org/drawingml/2006/diagram"/>
     </a:ext>
   </dgm:extLst>
 </dgm:dataModel>
@@ -2718,28 +2718,28 @@
     </dgm:pt>
   </dgm:ptLst>
   <dgm:cxnLst>
-    <dgm:cxn modelId="{A507CEF8-A689-4F87-B72E-60F93E88EA08}" srcId="{1332B820-E88C-4D9F-A56A-EF9835D373F5}" destId="{CC29FB27-801D-4615-BF44-5B37D21B8658}" srcOrd="2" destOrd="0" parTransId="{7041274B-2C6F-4500-BBA4-CC22DCADC42A}" sibTransId="{D4A335D4-5A0E-471B-BC3A-F4C6F2DC0776}"/>
-    <dgm:cxn modelId="{1BB74DF7-6A97-400C-A2C2-E23477738DB6}" srcId="{BF625EC9-D0AF-47E7-B9B5-DF551A01A827}" destId="{25715C7B-CB12-4BB8-9D97-CE3A4B49E980}" srcOrd="1" destOrd="0" parTransId="{A7BF8442-4D39-4C55-BA3E-CD29B690D0E7}" sibTransId="{D6391988-C4B9-40D0-A89C-775A11B616C5}"/>
-    <dgm:cxn modelId="{708752E5-1CED-404C-B4E7-DB4B487A6960}" type="presOf" srcId="{BF625EC9-D0AF-47E7-B9B5-DF551A01A827}" destId="{76468D4D-272C-4E12-9AAC-C152AE1F805E}" srcOrd="1" destOrd="0" presId="urn:microsoft.com/office/officeart/2005/8/layout/process4"/>
+    <dgm:cxn modelId="{3E164495-ACE5-4F00-9266-5479EECCA7A8}" srcId="{CC29FB27-801D-4615-BF44-5B37D21B8658}" destId="{CA14F749-5715-480B-9606-D3D8B3632EED}" srcOrd="1" destOrd="0" parTransId="{F91A1DDC-016C-48FF-919B-A21CC49CE6B7}" sibTransId="{0E531DE0-9B29-4213-8AF6-D5A1CF4077F5}"/>
+    <dgm:cxn modelId="{60C8F0DA-E702-4166-B1A4-1AA48B92ADBF}" type="presOf" srcId="{0EBF81F7-3BE6-4B65-831C-5F4E6095E8BD}" destId="{CCE3DA5F-BB79-4F3E-A442-44C681BA9C3E}" srcOrd="0" destOrd="0" presId="urn:microsoft.com/office/officeart/2005/8/layout/process4"/>
+    <dgm:cxn modelId="{2BB75BA1-4EB2-4CBF-8976-926BB9B1A626}" srcId="{CC29FB27-801D-4615-BF44-5B37D21B8658}" destId="{78F4F968-25ED-4CA2-AA7F-978821F38784}" srcOrd="0" destOrd="0" parTransId="{8E246DC9-241D-4661-AA0B-CBCC6116091B}" sibTransId="{54B46FBB-4759-47C3-9530-2CA6677D4CBE}"/>
     <dgm:cxn modelId="{C844D9B6-4F15-46AC-A58C-6673997E154F}" type="presOf" srcId="{CC29FB27-801D-4615-BF44-5B37D21B8658}" destId="{F81ECD18-CAC6-494A-8E1B-B3C59EE70C41}" srcOrd="1" destOrd="0" presId="urn:microsoft.com/office/officeart/2005/8/layout/process4"/>
-    <dgm:cxn modelId="{3C9ED8F8-2BFF-4745-96AC-7D7FBED19488}" srcId="{D35E786E-C192-4329-B36A-CBA9CFE78347}" destId="{ABB28A4A-887F-43B8-8E7D-8CB2A742293F}" srcOrd="0" destOrd="0" parTransId="{681DB487-19BC-4B1F-8B99-AFA5797442E5}" sibTransId="{CC74FFDA-B896-4DE9-8FAC-2FEB39E4C4D4}"/>
-    <dgm:cxn modelId="{A8BF9951-0E48-47B8-BBEF-36B92B593A05}" type="presOf" srcId="{ABB28A4A-887F-43B8-8E7D-8CB2A742293F}" destId="{31424058-0D60-4BE6-8544-9EAE971FA707}" srcOrd="0" destOrd="0" presId="urn:microsoft.com/office/officeart/2005/8/layout/process4"/>
-    <dgm:cxn modelId="{83CD17A3-85AD-4611-9ACE-5426B422E569}" type="presOf" srcId="{1332B820-E88C-4D9F-A56A-EF9835D373F5}" destId="{989FECC1-0CAB-4D0C-AEA4-DFD538157EB2}" srcOrd="0" destOrd="0" presId="urn:microsoft.com/office/officeart/2005/8/layout/process4"/>
-    <dgm:cxn modelId="{0F111E57-8B95-431F-9511-3F9527416C94}" srcId="{BF625EC9-D0AF-47E7-B9B5-DF551A01A827}" destId="{0EBF81F7-3BE6-4B65-831C-5F4E6095E8BD}" srcOrd="0" destOrd="0" parTransId="{51D87DD1-3A34-45E9-8AF1-37E6543A3567}" sibTransId="{56E6250E-6B0C-4A48-82B1-B3A7A70A9025}"/>
-    <dgm:cxn modelId="{825E9650-AB92-45B2-BC14-C174DF1183D8}" type="presOf" srcId="{CA14F749-5715-480B-9606-D3D8B3632EED}" destId="{D84BFB0D-7348-418C-B724-C81701A81BB3}" srcOrd="0" destOrd="0" presId="urn:microsoft.com/office/officeart/2005/8/layout/process4"/>
     <dgm:cxn modelId="{E6558CD0-FD11-4BAF-839D-AD839CBC6456}" srcId="{1332B820-E88C-4D9F-A56A-EF9835D373F5}" destId="{BF625EC9-D0AF-47E7-B9B5-DF551A01A827}" srcOrd="1" destOrd="0" parTransId="{2E158388-C68B-456F-A150-6CB99B0B555B}" sibTransId="{F5DABC24-D83D-4B40-A931-2379D1066AE6}"/>
     <dgm:cxn modelId="{52B2CB6F-D371-4D3A-917F-049054690E46}" srcId="{BF625EC9-D0AF-47E7-B9B5-DF551A01A827}" destId="{9E62AEEB-8359-4FC8-98C0-CBCC2967B6B7}" srcOrd="2" destOrd="0" parTransId="{92572EA2-A87D-4A3F-BFB3-0BB53A09EEDD}" sibTransId="{33BE2A37-38C0-4905-9246-480B1BBDFD44}"/>
     <dgm:cxn modelId="{C7E514B2-7280-40D9-889B-B3E65EC18D05}" type="presOf" srcId="{BF625EC9-D0AF-47E7-B9B5-DF551A01A827}" destId="{E592439C-9851-4C51-99DD-8207B1FDA48C}" srcOrd="0" destOrd="0" presId="urn:microsoft.com/office/officeart/2005/8/layout/process4"/>
+    <dgm:cxn modelId="{3C9ED8F8-2BFF-4745-96AC-7D7FBED19488}" srcId="{D35E786E-C192-4329-B36A-CBA9CFE78347}" destId="{ABB28A4A-887F-43B8-8E7D-8CB2A742293F}" srcOrd="0" destOrd="0" parTransId="{681DB487-19BC-4B1F-8B99-AFA5797442E5}" sibTransId="{CC74FFDA-B896-4DE9-8FAC-2FEB39E4C4D4}"/>
+    <dgm:cxn modelId="{825E9650-AB92-45B2-BC14-C174DF1183D8}" type="presOf" srcId="{CA14F749-5715-480B-9606-D3D8B3632EED}" destId="{D84BFB0D-7348-418C-B724-C81701A81BB3}" srcOrd="0" destOrd="0" presId="urn:microsoft.com/office/officeart/2005/8/layout/process4"/>
+    <dgm:cxn modelId="{11369BDD-7A69-4157-9007-E086C82AF6F5}" type="presOf" srcId="{D35E786E-C192-4329-B36A-CBA9CFE78347}" destId="{A9EF60D8-6614-41DD-8F2D-8610EFFCEECF}" srcOrd="0" destOrd="0" presId="urn:microsoft.com/office/officeart/2005/8/layout/process4"/>
+    <dgm:cxn modelId="{CCC0DEB8-7579-4890-815B-A6B9AACDA8F3}" srcId="{1332B820-E88C-4D9F-A56A-EF9835D373F5}" destId="{D35E786E-C192-4329-B36A-CBA9CFE78347}" srcOrd="0" destOrd="0" parTransId="{5D0ED6C6-9BB1-423B-A1A3-BF00DF4EC54A}" sibTransId="{D668D7E1-ED1B-48FB-B09A-3FF63915992F}"/>
+    <dgm:cxn modelId="{708752E5-1CED-404C-B4E7-DB4B487A6960}" type="presOf" srcId="{BF625EC9-D0AF-47E7-B9B5-DF551A01A827}" destId="{76468D4D-272C-4E12-9AAC-C152AE1F805E}" srcOrd="1" destOrd="0" presId="urn:microsoft.com/office/officeart/2005/8/layout/process4"/>
+    <dgm:cxn modelId="{B2D03EC0-5D85-4E4A-9264-FDA83B47D3A4}" type="presOf" srcId="{CC29FB27-801D-4615-BF44-5B37D21B8658}" destId="{1D530850-5046-4191-AB1F-DDB3A09C5929}" srcOrd="0" destOrd="0" presId="urn:microsoft.com/office/officeart/2005/8/layout/process4"/>
+    <dgm:cxn modelId="{FE32A588-B15D-46B0-9DE4-8EFB4A182DCB}" type="presOf" srcId="{D35E786E-C192-4329-B36A-CBA9CFE78347}" destId="{AFD52694-81E0-4F5E-AF9E-C5B6446FE244}" srcOrd="1" destOrd="0" presId="urn:microsoft.com/office/officeart/2005/8/layout/process4"/>
+    <dgm:cxn modelId="{1BB74DF7-6A97-400C-A2C2-E23477738DB6}" srcId="{BF625EC9-D0AF-47E7-B9B5-DF551A01A827}" destId="{25715C7B-CB12-4BB8-9D97-CE3A4B49E980}" srcOrd="1" destOrd="0" parTransId="{A7BF8442-4D39-4C55-BA3E-CD29B690D0E7}" sibTransId="{D6391988-C4B9-40D0-A89C-775A11B616C5}"/>
+    <dgm:cxn modelId="{83CD17A3-85AD-4611-9ACE-5426B422E569}" type="presOf" srcId="{1332B820-E88C-4D9F-A56A-EF9835D373F5}" destId="{989FECC1-0CAB-4D0C-AEA4-DFD538157EB2}" srcOrd="0" destOrd="0" presId="urn:microsoft.com/office/officeart/2005/8/layout/process4"/>
+    <dgm:cxn modelId="{A8BF9951-0E48-47B8-BBEF-36B92B593A05}" type="presOf" srcId="{ABB28A4A-887F-43B8-8E7D-8CB2A742293F}" destId="{31424058-0D60-4BE6-8544-9EAE971FA707}" srcOrd="0" destOrd="0" presId="urn:microsoft.com/office/officeart/2005/8/layout/process4"/>
+    <dgm:cxn modelId="{A507CEF8-A689-4F87-B72E-60F93E88EA08}" srcId="{1332B820-E88C-4D9F-A56A-EF9835D373F5}" destId="{CC29FB27-801D-4615-BF44-5B37D21B8658}" srcOrd="2" destOrd="0" parTransId="{7041274B-2C6F-4500-BBA4-CC22DCADC42A}" sibTransId="{D4A335D4-5A0E-471B-BC3A-F4C6F2DC0776}"/>
+    <dgm:cxn modelId="{0F111E57-8B95-431F-9511-3F9527416C94}" srcId="{BF625EC9-D0AF-47E7-B9B5-DF551A01A827}" destId="{0EBF81F7-3BE6-4B65-831C-5F4E6095E8BD}" srcOrd="0" destOrd="0" parTransId="{51D87DD1-3A34-45E9-8AF1-37E6543A3567}" sibTransId="{56E6250E-6B0C-4A48-82B1-B3A7A70A9025}"/>
     <dgm:cxn modelId="{9C814E33-6017-4762-808D-4332D4A91054}" type="presOf" srcId="{9E62AEEB-8359-4FC8-98C0-CBCC2967B6B7}" destId="{FF1E22EF-B774-4580-971B-5DC6153C9006}" srcOrd="0" destOrd="0" presId="urn:microsoft.com/office/officeart/2005/8/layout/process4"/>
-    <dgm:cxn modelId="{2BB75BA1-4EB2-4CBF-8976-926BB9B1A626}" srcId="{CC29FB27-801D-4615-BF44-5B37D21B8658}" destId="{78F4F968-25ED-4CA2-AA7F-978821F38784}" srcOrd="0" destOrd="0" parTransId="{8E246DC9-241D-4661-AA0B-CBCC6116091B}" sibTransId="{54B46FBB-4759-47C3-9530-2CA6677D4CBE}"/>
     <dgm:cxn modelId="{F1357C36-1D78-4EB9-ABC2-EB152393AD57}" type="presOf" srcId="{78F4F968-25ED-4CA2-AA7F-978821F38784}" destId="{76E51960-9B39-4BDB-B068-FE815317B75A}" srcOrd="0" destOrd="0" presId="urn:microsoft.com/office/officeart/2005/8/layout/process4"/>
     <dgm:cxn modelId="{50BEA369-7627-4885-850B-75E98FBB9F10}" type="presOf" srcId="{25715C7B-CB12-4BB8-9D97-CE3A4B49E980}" destId="{C369044F-CA9B-4A00-B918-5615ED4E0B96}" srcOrd="0" destOrd="0" presId="urn:microsoft.com/office/officeart/2005/8/layout/process4"/>
-    <dgm:cxn modelId="{60C8F0DA-E702-4166-B1A4-1AA48B92ADBF}" type="presOf" srcId="{0EBF81F7-3BE6-4B65-831C-5F4E6095E8BD}" destId="{CCE3DA5F-BB79-4F3E-A442-44C681BA9C3E}" srcOrd="0" destOrd="0" presId="urn:microsoft.com/office/officeart/2005/8/layout/process4"/>
-    <dgm:cxn modelId="{11369BDD-7A69-4157-9007-E086C82AF6F5}" type="presOf" srcId="{D35E786E-C192-4329-B36A-CBA9CFE78347}" destId="{A9EF60D8-6614-41DD-8F2D-8610EFFCEECF}" srcOrd="0" destOrd="0" presId="urn:microsoft.com/office/officeart/2005/8/layout/process4"/>
-    <dgm:cxn modelId="{B2D03EC0-5D85-4E4A-9264-FDA83B47D3A4}" type="presOf" srcId="{CC29FB27-801D-4615-BF44-5B37D21B8658}" destId="{1D530850-5046-4191-AB1F-DDB3A09C5929}" srcOrd="0" destOrd="0" presId="urn:microsoft.com/office/officeart/2005/8/layout/process4"/>
-    <dgm:cxn modelId="{3E164495-ACE5-4F00-9266-5479EECCA7A8}" srcId="{CC29FB27-801D-4615-BF44-5B37D21B8658}" destId="{CA14F749-5715-480B-9606-D3D8B3632EED}" srcOrd="1" destOrd="0" parTransId="{F91A1DDC-016C-48FF-919B-A21CC49CE6B7}" sibTransId="{0E531DE0-9B29-4213-8AF6-D5A1CF4077F5}"/>
-    <dgm:cxn modelId="{CCC0DEB8-7579-4890-815B-A6B9AACDA8F3}" srcId="{1332B820-E88C-4D9F-A56A-EF9835D373F5}" destId="{D35E786E-C192-4329-B36A-CBA9CFE78347}" srcOrd="0" destOrd="0" parTransId="{5D0ED6C6-9BB1-423B-A1A3-BF00DF4EC54A}" sibTransId="{D668D7E1-ED1B-48FB-B09A-3FF63915992F}"/>
-    <dgm:cxn modelId="{FE32A588-B15D-46B0-9DE4-8EFB4A182DCB}" type="presOf" srcId="{D35E786E-C192-4329-B36A-CBA9CFE78347}" destId="{AFD52694-81E0-4F5E-AF9E-C5B6446FE244}" srcOrd="1" destOrd="0" presId="urn:microsoft.com/office/officeart/2005/8/layout/process4"/>
     <dgm:cxn modelId="{3043372E-9421-4173-89C6-F50B77CBCDFD}" type="presParOf" srcId="{989FECC1-0CAB-4D0C-AEA4-DFD538157EB2}" destId="{9BE391FD-9F18-47D8-AD9A-03C49115B4F9}" srcOrd="0" destOrd="0" presId="urn:microsoft.com/office/officeart/2005/8/layout/process4"/>
     <dgm:cxn modelId="{AF542BFF-0ACD-41B1-B4BC-77AB3AFBB5E6}" type="presParOf" srcId="{9BE391FD-9F18-47D8-AD9A-03C49115B4F9}" destId="{1D530850-5046-4191-AB1F-DDB3A09C5929}" srcOrd="0" destOrd="0" presId="urn:microsoft.com/office/officeart/2005/8/layout/process4"/>
     <dgm:cxn modelId="{F33CE567-1509-4A3C-9082-61802917CB4D}" type="presParOf" srcId="{9BE391FD-9F18-47D8-AD9A-03C49115B4F9}" destId="{F81ECD18-CAC6-494A-8E1B-B3C59EE70C41}" srcOrd="1" destOrd="0" presId="urn:microsoft.com/office/officeart/2005/8/layout/process4"/>
@@ -2765,14 +2765,14 @@
   <dgm:whole/>
   <dgm:extLst>
     <a:ext uri="http://schemas.microsoft.com/office/drawing/2008/diagram">
-      <dsp:dataModelExt xmlns:dsp="http://schemas.microsoft.com/office/drawing/2008/diagram" relId="rId6" minVer="http://schemas.openxmlformats.org/drawingml/2006/diagram"/>
+      <dsp:dataModelExt xmlns:dsp="http://schemas.microsoft.com/office/drawing/2008/diagram" xmlns="" relId="rId6" minVer="http://schemas.openxmlformats.org/drawingml/2006/diagram"/>
     </a:ext>
   </dgm:extLst>
 </dgm:dataModel>
 </file>
 
 <file path=ppt/diagrams/drawing1.xml><?xml version="1.0" encoding="utf-8"?>
-<dsp:drawing xmlns:dgm="http://schemas.openxmlformats.org/drawingml/2006/diagram" xmlns:dsp="http://schemas.microsoft.com/office/drawing/2008/diagram" xmlns:a="http://schemas.openxmlformats.org/drawingml/2006/main">
+<dsp:drawing xmlns:dgm="http://schemas.openxmlformats.org/drawingml/2006/diagram" xmlns:a="http://schemas.openxmlformats.org/drawingml/2006/main" xmlns:dsp="http://schemas.microsoft.com/office/drawing/2008/diagram">
   <dsp:spTree>
     <dsp:nvGrpSpPr>
       <dsp:cNvPr id="0" name=""/>
@@ -2868,8 +2868,8 @@
         </a:p>
       </dsp:txBody>
       <dsp:txXfrm>
-        <a:off x="98037" y="62996"/>
-        <a:ext cx="4057955" cy="836015"/>
+        <a:off x="72027" y="36986"/>
+        <a:ext cx="4109975" cy="888035"/>
       </dsp:txXfrm>
     </dsp:sp>
     <dsp:sp modelId="{8413CC00-8A5B-4BCF-B839-87AEAB7EFA9E}">
@@ -2969,8 +2969,8 @@
         </a:p>
       </dsp:txBody>
       <dsp:txXfrm>
-        <a:off x="461353" y="1037383"/>
-        <a:ext cx="4765225" cy="836015"/>
+        <a:off x="435343" y="1011373"/>
+        <a:ext cx="4817245" cy="888035"/>
       </dsp:txXfrm>
     </dsp:sp>
     <dsp:sp modelId="{E1871E04-B93D-4B16-B959-94B55AAC5ABB}">
@@ -3058,8 +3058,8 @@
         </a:p>
       </dsp:txBody>
       <dsp:txXfrm>
-        <a:off x="896696" y="2048756"/>
-        <a:ext cx="4765225" cy="836015"/>
+        <a:off x="870686" y="2022746"/>
+        <a:ext cx="4817245" cy="888035"/>
       </dsp:txXfrm>
     </dsp:sp>
     <dsp:sp modelId="{EBFB4198-1EA2-43AA-8706-BD6FF891507A}">
@@ -3147,8 +3147,8 @@
         </a:p>
       </dsp:txBody>
       <dsp:txXfrm>
-        <a:off x="1332039" y="3060129"/>
-        <a:ext cx="4765225" cy="836015"/>
+        <a:off x="1306029" y="3034119"/>
+        <a:ext cx="4817245" cy="888035"/>
       </dsp:txXfrm>
     </dsp:sp>
     <dsp:sp modelId="{A304F91C-97BD-4D49-86CB-BDF5405659B6}">
@@ -3240,8 +3240,8 @@
         </a:p>
       </dsp:txBody>
       <dsp:txXfrm>
-        <a:off x="1767382" y="4071502"/>
-        <a:ext cx="4765225" cy="836015"/>
+        <a:off x="1741372" y="4045492"/>
+        <a:ext cx="4817245" cy="888035"/>
       </dsp:txXfrm>
     </dsp:sp>
     <dsp:sp modelId="{C36FF432-0BC8-4323-BA15-94BA34DB5CC1}">
@@ -3320,8 +3320,8 @@
         </a:p>
       </dsp:txBody>
       <dsp:txXfrm>
-        <a:off x="4738387" y="613046"/>
-        <a:ext cx="317472" cy="434360"/>
+        <a:off x="4608512" y="613046"/>
+        <a:ext cx="577222" cy="577222"/>
       </dsp:txXfrm>
     </dsp:sp>
     <dsp:sp modelId="{6AD50F06-FD06-415F-9FB0-FD0879FC3528}">
@@ -3400,8 +3400,8 @@
         </a:p>
       </dsp:txBody>
       <dsp:txXfrm>
-        <a:off x="5817806" y="1660132"/>
-        <a:ext cx="317472" cy="434360"/>
+        <a:off x="5687931" y="1660132"/>
+        <a:ext cx="577222" cy="577222"/>
       </dsp:txXfrm>
     </dsp:sp>
     <dsp:sp modelId="{31D978D9-AF01-4997-ADD0-48C42DD73FF6}">
@@ -3480,8 +3480,8 @@
         </a:p>
       </dsp:txBody>
       <dsp:txXfrm>
-        <a:off x="6253150" y="2656704"/>
-        <a:ext cx="317472" cy="434360"/>
+        <a:off x="6123275" y="2656704"/>
+        <a:ext cx="577222" cy="577222"/>
       </dsp:txXfrm>
     </dsp:sp>
     <dsp:sp modelId="{F10344A3-D5FB-4A33-867D-BB896676605F}">
@@ -3560,8 +3560,8 @@
         </a:p>
       </dsp:txBody>
       <dsp:txXfrm>
-        <a:off x="6688493" y="3677945"/>
-        <a:ext cx="317472" cy="434360"/>
+        <a:off x="6558618" y="3677945"/>
+        <a:ext cx="577222" cy="577222"/>
       </dsp:txXfrm>
     </dsp:sp>
   </dsp:spTree>
@@ -3569,7 +3569,7 @@
 </file>
 
 <file path=ppt/diagrams/drawing2.xml><?xml version="1.0" encoding="utf-8"?>
-<dsp:drawing xmlns:dgm="http://schemas.openxmlformats.org/drawingml/2006/diagram" xmlns:dsp="http://schemas.microsoft.com/office/drawing/2008/diagram" xmlns:a="http://schemas.openxmlformats.org/drawingml/2006/main">
+<dsp:drawing xmlns:dgm="http://schemas.openxmlformats.org/drawingml/2006/diagram" xmlns:a="http://schemas.openxmlformats.org/drawingml/2006/main" xmlns:dsp="http://schemas.microsoft.com/office/drawing/2008/diagram">
   <dsp:spTree>
     <dsp:nvGrpSpPr>
       <dsp:cNvPr id="0" name=""/>
@@ -3907,7 +3907,7 @@
           <a:endParaRPr lang="pt-BR" sz="3200" b="1" kern="1200" dirty="0"/>
         </a:p>
       </dsp:txBody>
-      <dsp:txXfrm rot="-10800000">
+      <dsp:txXfrm>
         <a:off x="0" y="2049965"/>
         <a:ext cx="8424936" cy="945024"/>
       </dsp:txXfrm>
@@ -4264,7 +4264,7 @@
           <a:endParaRPr lang="pt-BR" sz="3200" b="1" kern="1200" dirty="0"/>
         </a:p>
       </dsp:txBody>
-      <dsp:txXfrm rot="-10800000">
+      <dsp:txXfrm>
         <a:off x="0" y="112"/>
         <a:ext cx="8424936" cy="726584"/>
       </dsp:txXfrm>
@@ -8796,7 +8796,7 @@
             <a:fld id="{E8717054-3C07-4347-826E-99521BF275F5}" type="datetimeFigureOut">
               <a:rPr lang="pt-BR" smtClean="0"/>
               <a:pPr/>
-              <a:t>08/03/2018</a:t>
+              <a:t>14/03/2018</a:t>
             </a:fld>
             <a:endParaRPr lang="pt-BR"/>
           </a:p>
@@ -9151,7 +9151,7 @@
             <a:fld id="{E8717054-3C07-4347-826E-99521BF275F5}" type="datetimeFigureOut">
               <a:rPr lang="pt-BR" smtClean="0"/>
               <a:pPr/>
-              <a:t>08/03/2018</a:t>
+              <a:t>14/03/2018</a:t>
             </a:fld>
             <a:endParaRPr lang="pt-BR"/>
           </a:p>
@@ -9328,7 +9328,7 @@
             <a:fld id="{E8717054-3C07-4347-826E-99521BF275F5}" type="datetimeFigureOut">
               <a:rPr lang="pt-BR" smtClean="0"/>
               <a:pPr/>
-              <a:t>08/03/2018</a:t>
+              <a:t>14/03/2018</a:t>
             </a:fld>
             <a:endParaRPr lang="pt-BR"/>
           </a:p>
@@ -9443,7 +9443,7 @@
             <a:fld id="{E8717054-3C07-4347-826E-99521BF275F5}" type="datetimeFigureOut">
               <a:rPr lang="pt-BR" smtClean="0"/>
               <a:pPr/>
-              <a:t>08/03/2018</a:t>
+              <a:t>14/03/2018</a:t>
             </a:fld>
             <a:endParaRPr lang="pt-BR"/>
           </a:p>
@@ -9803,7 +9803,7 @@
             <a:fld id="{E8717054-3C07-4347-826E-99521BF275F5}" type="datetimeFigureOut">
               <a:rPr lang="pt-BR" smtClean="0"/>
               <a:pPr/>
-              <a:t>08/03/2018</a:t>
+              <a:t>14/03/2018</a:t>
             </a:fld>
             <a:endParaRPr lang="pt-BR"/>
           </a:p>
@@ -10070,7 +10070,7 @@
             <a:fld id="{E8717054-3C07-4347-826E-99521BF275F5}" type="datetimeFigureOut">
               <a:rPr lang="pt-BR" smtClean="0"/>
               <a:pPr/>
-              <a:t>08/03/2018</a:t>
+              <a:t>14/03/2018</a:t>
             </a:fld>
             <a:endParaRPr lang="pt-BR"/>
           </a:p>
@@ -10434,7 +10434,7 @@
             <a:fld id="{E8717054-3C07-4347-826E-99521BF275F5}" type="datetimeFigureOut">
               <a:rPr lang="pt-BR" smtClean="0"/>
               <a:pPr/>
-              <a:t>08/03/2018</a:t>
+              <a:t>14/03/2018</a:t>
             </a:fld>
             <a:endParaRPr lang="pt-BR"/>
           </a:p>
@@ -10663,7 +10663,7 @@
             <a:fld id="{E8717054-3C07-4347-826E-99521BF275F5}" type="datetimeFigureOut">
               <a:rPr lang="pt-BR" smtClean="0"/>
               <a:pPr/>
-              <a:t>08/03/2018</a:t>
+              <a:t>14/03/2018</a:t>
             </a:fld>
             <a:endParaRPr lang="pt-BR"/>
           </a:p>
@@ -10755,7 +10755,7 @@
             <a:fld id="{E8717054-3C07-4347-826E-99521BF275F5}" type="datetimeFigureOut">
               <a:rPr lang="pt-BR" smtClean="0"/>
               <a:pPr/>
-              <a:t>08/03/2018</a:t>
+              <a:t>14/03/2018</a:t>
             </a:fld>
             <a:endParaRPr lang="pt-BR"/>
           </a:p>
@@ -11024,7 +11024,7 @@
             <a:fld id="{E8717054-3C07-4347-826E-99521BF275F5}" type="datetimeFigureOut">
               <a:rPr lang="pt-BR" smtClean="0"/>
               <a:pPr/>
-              <a:t>08/03/2018</a:t>
+              <a:t>14/03/2018</a:t>
             </a:fld>
             <a:endParaRPr lang="pt-BR"/>
           </a:p>
@@ -11254,7 +11254,7 @@
             <a:fld id="{E8717054-3C07-4347-826E-99521BF275F5}" type="datetimeFigureOut">
               <a:rPr lang="pt-BR" smtClean="0"/>
               <a:pPr/>
-              <a:t>08/03/2018</a:t>
+              <a:t>14/03/2018</a:t>
             </a:fld>
             <a:endParaRPr lang="pt-BR"/>
           </a:p>
@@ -11755,7 +11755,7 @@
             <a:fld id="{E8717054-3C07-4347-826E-99521BF275F5}" type="datetimeFigureOut">
               <a:rPr lang="pt-BR" smtClean="0"/>
               <a:pPr/>
-              <a:t>08/03/2018</a:t>
+              <a:t>14/03/2018</a:t>
             </a:fld>
             <a:endParaRPr lang="pt-BR"/>
           </a:p>
@@ -12520,10 +12520,10 @@
           <p:nvPr/>
         </p:nvPicPr>
         <p:blipFill rotWithShape="1">
-          <a:blip r:embed="rId5">
+          <a:blip r:embed="rId5" cstate="print">
             <a:extLst>
               <a:ext uri="{28A0092B-C50C-407E-A947-70E740481C1C}">
-                <a14:useLocalDpi xmlns:a14="http://schemas.microsoft.com/office/drawing/2010/main" val="0"/>
+                <a14:useLocalDpi xmlns:a14="http://schemas.microsoft.com/office/drawing/2010/main" xmlns="" val="0"/>
               </a:ext>
             </a:extLst>
           </a:blip>
@@ -12550,7 +12550,7 @@
           </a:effectLst>
           <a:extLst>
             <a:ext uri="{909E8E84-426E-40DD-AFC4-6F175D3DCCD1}">
-              <a14:hiddenFill xmlns:a14="http://schemas.microsoft.com/office/drawing/2010/main">
+              <a14:hiddenFill xmlns:a14="http://schemas.microsoft.com/office/drawing/2010/main" xmlns="">
                 <a:solidFill>
                   <a:srgbClr val="FFFFFF"/>
                 </a:solidFill>
@@ -12886,7 +12886,7 @@
           <a:noFill/>
           <a:extLst>
             <a:ext uri="{909E8E84-426E-40DD-AFC4-6F175D3DCCD1}">
-              <a14:hiddenFill xmlns:a14="http://schemas.microsoft.com/office/drawing/2010/main">
+              <a14:hiddenFill xmlns:a14="http://schemas.microsoft.com/office/drawing/2010/main" xmlns="">
                 <a:solidFill>
                   <a:srgbClr val="FFFFFF"/>
                 </a:solidFill>
@@ -12925,7 +12925,7 @@
           <a:noFill/>
           <a:extLst>
             <a:ext uri="{909E8E84-426E-40DD-AFC4-6F175D3DCCD1}">
-              <a14:hiddenFill xmlns:a14="http://schemas.microsoft.com/office/drawing/2010/main">
+              <a14:hiddenFill xmlns:a14="http://schemas.microsoft.com/office/drawing/2010/main" xmlns="">
                 <a:solidFill>
                   <a:srgbClr val="FFFFFF"/>
                 </a:solidFill>
@@ -12954,10 +12954,10 @@
           <p:nvPr/>
         </p:nvPicPr>
         <p:blipFill rotWithShape="1">
-          <a:blip r:embed="rId6">
+          <a:blip r:embed="rId6" cstate="print">
             <a:extLst>
               <a:ext uri="{28A0092B-C50C-407E-A947-70E740481C1C}">
-                <a14:useLocalDpi xmlns:a14="http://schemas.microsoft.com/office/drawing/2010/main" val="0"/>
+                <a14:useLocalDpi xmlns:a14="http://schemas.microsoft.com/office/drawing/2010/main" xmlns="" val="0"/>
               </a:ext>
             </a:extLst>
           </a:blip>
@@ -12984,7 +12984,7 @@
           </a:effectLst>
           <a:extLst>
             <a:ext uri="{909E8E84-426E-40DD-AFC4-6F175D3DCCD1}">
-              <a14:hiddenFill xmlns:a14="http://schemas.microsoft.com/office/drawing/2010/main">
+              <a14:hiddenFill xmlns:a14="http://schemas.microsoft.com/office/drawing/2010/main" xmlns="">
                 <a:solidFill>
                   <a:srgbClr val="FFFFFF"/>
                 </a:solidFill>
@@ -14031,7 +14031,7 @@
         <p:spPr>
           <a:xfrm>
             <a:off x="539552" y="2636912"/>
-            <a:ext cx="8496944" cy="4032448"/>
+            <a:ext cx="8496944" cy="3960440"/>
           </a:xfrm>
         </p:spPr>
         <p:txBody>
@@ -14046,7 +14046,7 @@
               </a:lnSpc>
             </a:pPr>
             <a:r>
-              <a:rPr lang="pt-BR" dirty="0" smtClean="0"/>
+              <a:rPr lang="pt-BR" sz="2600" dirty="0" smtClean="0"/>
               <a:t>Date;</a:t>
             </a:r>
           </a:p>
@@ -14057,10 +14057,9 @@
               </a:lnSpc>
             </a:pPr>
             <a:r>
-              <a:rPr lang="pt-BR" dirty="0" smtClean="0"/>
+              <a:rPr lang="pt-BR" sz="2600" dirty="0" smtClean="0"/>
               <a:t>Jobs Position;</a:t>
             </a:r>
-            <a:endParaRPr lang="pt-BR" dirty="0" smtClean="0"/>
           </a:p>
           <a:p>
             <a:pPr lvl="1">
@@ -14069,11 +14068,11 @@
               </a:lnSpc>
             </a:pPr>
             <a:r>
-              <a:rPr lang="pt-BR" dirty="0" err="1" smtClean="0"/>
+              <a:rPr lang="pt-BR" sz="2600" dirty="0" err="1" smtClean="0"/>
               <a:t>Languagem</a:t>
             </a:r>
             <a:r>
-              <a:rPr lang="pt-BR" dirty="0" smtClean="0"/>
+              <a:rPr lang="pt-BR" sz="2600" dirty="0" smtClean="0"/>
               <a:t>;</a:t>
             </a:r>
           </a:p>
@@ -14084,11 +14083,11 @@
               </a:lnSpc>
             </a:pPr>
             <a:r>
-              <a:rPr lang="pt-BR" dirty="0" err="1" smtClean="0"/>
+              <a:rPr lang="pt-BR" sz="2600" dirty="0" err="1" smtClean="0"/>
               <a:t>Education</a:t>
             </a:r>
             <a:r>
-              <a:rPr lang="pt-BR" dirty="0" smtClean="0"/>
+              <a:rPr lang="pt-BR" sz="2600" dirty="0" smtClean="0"/>
               <a:t>;</a:t>
             </a:r>
           </a:p>
@@ -14099,15 +14098,15 @@
               </a:lnSpc>
             </a:pPr>
             <a:r>
-              <a:rPr lang="pt-BR" dirty="0" smtClean="0"/>
+              <a:rPr lang="pt-BR" sz="2600" dirty="0" smtClean="0"/>
               <a:t>Tech </a:t>
             </a:r>
             <a:r>
-              <a:rPr lang="pt-BR" dirty="0" err="1" smtClean="0"/>
+              <a:rPr lang="pt-BR" sz="2600" dirty="0" err="1" smtClean="0"/>
               <a:t>Skill</a:t>
             </a:r>
             <a:r>
-              <a:rPr lang="pt-BR" dirty="0" smtClean="0"/>
+              <a:rPr lang="pt-BR" sz="2600" dirty="0" smtClean="0"/>
               <a:t>;</a:t>
             </a:r>
           </a:p>
@@ -14118,12 +14117,8 @@
               </a:lnSpc>
             </a:pPr>
             <a:r>
-              <a:rPr lang="pt-BR" dirty="0" smtClean="0"/>
-              <a:t>City</a:t>
-            </a:r>
-            <a:r>
-              <a:rPr lang="pt-BR" dirty="0" smtClean="0"/>
-              <a:t>;</a:t>
+              <a:rPr lang="pt-BR" sz="2600" dirty="0" smtClean="0"/>
+              <a:t>City;</a:t>
             </a:r>
           </a:p>
           <a:p>
@@ -14133,11 +14128,11 @@
               </a:lnSpc>
             </a:pPr>
             <a:r>
-              <a:rPr lang="pt-BR" dirty="0" err="1" smtClean="0"/>
+              <a:rPr lang="pt-BR" sz="2600" dirty="0" err="1" smtClean="0"/>
               <a:t>State</a:t>
             </a:r>
             <a:r>
-              <a:rPr lang="pt-BR" dirty="0" smtClean="0"/>
+              <a:rPr lang="pt-BR" sz="2600" dirty="0" smtClean="0"/>
               <a:t>;</a:t>
             </a:r>
           </a:p>
@@ -14148,7 +14143,7 @@
               </a:lnSpc>
             </a:pPr>
             <a:r>
-              <a:rPr lang="pt-BR" dirty="0" smtClean="0"/>
+              <a:rPr lang="pt-BR" sz="2600" dirty="0" smtClean="0"/>
               <a:t>Cluster;</a:t>
             </a:r>
           </a:p>
@@ -14159,10 +14154,9 @@
               </a:lnSpc>
             </a:pPr>
             <a:r>
-              <a:rPr lang="pt-BR" dirty="0" smtClean="0"/>
+              <a:rPr lang="pt-BR" sz="2600" dirty="0" smtClean="0"/>
               <a:t>Country.</a:t>
             </a:r>
-            <a:endParaRPr lang="pt-BR" dirty="0" smtClean="0"/>
           </a:p>
         </p:txBody>
       </p:sp>
@@ -14395,7 +14389,7 @@
     </p:spTree>
     <p:extLst>
       <p:ext uri="{BB962C8B-B14F-4D97-AF65-F5344CB8AC3E}">
-        <p14:creationId xmlns:p14="http://schemas.microsoft.com/office/powerpoint/2010/main" val="3877754314"/>
+        <p14:creationId xmlns:p14="http://schemas.microsoft.com/office/powerpoint/2010/main" xmlns="" val="3877754314"/>
       </p:ext>
     </p:extLst>
   </p:cSld>
@@ -14582,7 +14576,6 @@
               <a:rPr lang="pt-BR" sz="3200" dirty="0" smtClean="0"/>
               <a:t>Position;</a:t>
             </a:r>
-            <a:endParaRPr lang="pt-BR" sz="3200" dirty="0" smtClean="0"/>
           </a:p>
           <a:p>
             <a:pPr lvl="1">
@@ -14592,11 +14585,7 @@
             </a:pPr>
             <a:r>
               <a:rPr lang="pt-BR" sz="3200" dirty="0" smtClean="0"/>
-              <a:t>City</a:t>
-            </a:r>
-            <a:r>
-              <a:rPr lang="pt-BR" sz="3200" dirty="0" smtClean="0"/>
-              <a:t>;</a:t>
+              <a:t>City;</a:t>
             </a:r>
           </a:p>
           <a:p>
@@ -14932,7 +14921,12 @@
             <p:ph type="title"/>
           </p:nvPr>
         </p:nvSpPr>
-        <p:spPr/>
+        <p:spPr>
+          <a:xfrm>
+            <a:off x="914400" y="274638"/>
+            <a:ext cx="7772400" cy="850106"/>
+          </a:xfrm>
+        </p:spPr>
         <p:txBody>
           <a:bodyPr>
             <a:normAutofit/>
@@ -15040,8 +15034,8 @@
         </p:nvSpPr>
         <p:spPr>
           <a:xfrm>
-            <a:off x="467544" y="1772816"/>
-            <a:ext cx="7488831" cy="4680520"/>
+            <a:off x="467544" y="1196752"/>
+            <a:ext cx="7488831" cy="5184576"/>
           </a:xfrm>
           <a:prstGeom prst="rect">
             <a:avLst/>
@@ -15234,7 +15228,7 @@
               </a:buClr>
             </a:pPr>
             <a:r>
-              <a:rPr lang="pt-BR" dirty="0" smtClean="0"/>
+              <a:rPr lang="pt-BR" sz="2800" b="1" dirty="0" smtClean="0"/>
               <a:t>CLUSTER:</a:t>
             </a:r>
           </a:p>
@@ -15251,7 +15245,7 @@
               </a:buClr>
             </a:pPr>
             <a:r>
-              <a:rPr lang="pt-BR" dirty="0" smtClean="0"/>
+              <a:rPr lang="pt-BR" sz="2400" dirty="0" smtClean="0"/>
               <a:t>Agrupar vagas de emprego;</a:t>
             </a:r>
           </a:p>
@@ -15268,10 +15262,14 @@
               </a:buClr>
             </a:pPr>
             <a:r>
-              <a:rPr lang="pt-BR" dirty="0" smtClean="0"/>
-              <a:t>Com base nos requisitos.</a:t>
-            </a:r>
-            <a:endParaRPr lang="pt-BR" dirty="0" smtClean="0"/>
+              <a:rPr lang="pt-BR" sz="2400" dirty="0" smtClean="0"/>
+              <a:t>Com base nos </a:t>
+            </a:r>
+            <a:r>
+              <a:rPr lang="pt-BR" sz="2400" dirty="0" smtClean="0"/>
+              <a:t>requisitos da vaga e localidade.</a:t>
+            </a:r>
+            <a:endParaRPr lang="pt-BR" sz="2400" dirty="0" smtClean="0"/>
           </a:p>
           <a:p>
             <a:pPr marL="274320" lvl="1" indent="-274320">
@@ -15286,7 +15284,7 @@
               </a:buClr>
             </a:pPr>
             <a:r>
-              <a:rPr lang="pt-BR" dirty="0" smtClean="0"/>
+              <a:rPr lang="pt-BR" sz="2800" b="1" dirty="0" smtClean="0"/>
               <a:t>CLASSIFICAÇÃO:</a:t>
             </a:r>
           </a:p>
@@ -15303,15 +15301,15 @@
               </a:buClr>
             </a:pPr>
             <a:r>
-              <a:rPr lang="pt-BR" dirty="0" smtClean="0"/>
+              <a:rPr lang="pt-BR" sz="2400" dirty="0" smtClean="0"/>
               <a:t>Classificar recomendação da empresa (</a:t>
             </a:r>
             <a:r>
-              <a:rPr lang="pt-BR" dirty="0" err="1" smtClean="0"/>
+              <a:rPr lang="pt-BR" sz="2400" dirty="0" err="1" smtClean="0"/>
               <a:t>yes</a:t>
             </a:r>
             <a:r>
-              <a:rPr lang="pt-BR" dirty="0" smtClean="0"/>
+              <a:rPr lang="pt-BR" sz="2400" dirty="0" smtClean="0"/>
               <a:t>/no);</a:t>
             </a:r>
           </a:p>
@@ -15328,14 +15326,9 @@
               </a:buClr>
             </a:pPr>
             <a:r>
-              <a:rPr lang="pt-BR" dirty="0" smtClean="0"/>
-              <a:t>A partir do título </a:t>
-            </a:r>
-            <a:r>
-              <a:rPr lang="pt-BR" smtClean="0"/>
-              <a:t>do comentário.</a:t>
-            </a:r>
-            <a:endParaRPr lang="pt-BR" dirty="0" smtClean="0"/>
+              <a:rPr lang="pt-BR" sz="2400" dirty="0" smtClean="0"/>
+              <a:t>A partir do título do comentário.</a:t>
+            </a:r>
           </a:p>
           <a:p>
             <a:pPr marL="274320" lvl="1" indent="-274320">
@@ -15349,7 +15342,7 @@
                 <a:schemeClr val="accent1"/>
               </a:buClr>
             </a:pPr>
-            <a:endParaRPr lang="pt-BR" sz="3600" dirty="0" smtClean="0"/>
+            <a:endParaRPr lang="pt-BR" sz="4000" dirty="0" smtClean="0"/>
           </a:p>
           <a:p>
             <a:pPr>
@@ -15357,14 +15350,14 @@
                 <a:spcPct val="200000"/>
               </a:lnSpc>
             </a:pPr>
-            <a:endParaRPr lang="pt-BR" sz="3600" dirty="0" smtClean="0"/>
+            <a:endParaRPr lang="pt-BR" sz="4000" dirty="0" smtClean="0"/>
           </a:p>
         </p:txBody>
       </p:sp>
     </p:spTree>
     <p:extLst>
       <p:ext uri="{BB962C8B-B14F-4D97-AF65-F5344CB8AC3E}">
-        <p14:creationId xmlns:p14="http://schemas.microsoft.com/office/powerpoint/2010/main" val="1831484373"/>
+        <p14:creationId xmlns:p14="http://schemas.microsoft.com/office/powerpoint/2010/main" xmlns="" val="1831484373"/>
       </p:ext>
     </p:extLst>
   </p:cSld>
@@ -15593,7 +15586,7 @@
                   <a:reflection blurRad="12700" stA="28000" endPos="45000" dist="1000" dir="5400000" sy="-100000" algn="bl" rotWithShape="0"/>
                 </a:effectLst>
               </a:rPr>
-              <a:t>Jobs</a:t>
+              <a:t>Cluster Jobs</a:t>
             </a:r>
             <a:endParaRPr lang="pt-BR" b="1" cap="all" dirty="0">
               <a:ln w="9000" cmpd="sng">
@@ -15649,14 +15642,14 @@
           <p:nvPr>
             <p:extLst>
               <p:ext uri="{D42A27DB-BD31-4B8C-83A1-F6EECF244321}">
-                <p14:modId xmlns:p14="http://schemas.microsoft.com/office/powerpoint/2010/main" val="2880602911"/>
+                <p14:modId xmlns:p14="http://schemas.microsoft.com/office/powerpoint/2010/main" xmlns="" val="2880602911"/>
               </p:ext>
             </p:extLst>
           </p:nvPr>
         </p:nvGraphicFramePr>
         <p:xfrm>
-          <a:off x="3995936" y="2708920"/>
-          <a:ext cx="4871864" cy="1544658"/>
+          <a:off x="3491880" y="2708920"/>
+          <a:ext cx="5375920" cy="1544658"/>
         </p:xfrm>
         <a:graphic>
           <a:graphicData uri="http://schemas.openxmlformats.org/drawingml/2006/table">
@@ -15665,8 +15658,8 @@
                 <a:tableStyleId>{5C22544A-7EE6-4342-B048-85BDC9FD1C3A}</a:tableStyleId>
               </a:tblPr>
               <a:tblGrid>
-                <a:gridCol w="2435932"/>
-                <a:gridCol w="2435932"/>
+                <a:gridCol w="2687960"/>
+                <a:gridCol w="2687960"/>
               </a:tblGrid>
               <a:tr h="772329">
                 <a:tc>
@@ -15675,10 +15668,10 @@
                     <a:lstStyle/>
                     <a:p>
                       <a:r>
-                        <a:rPr lang="pt-BR" dirty="0" smtClean="0"/>
+                        <a:rPr lang="pt-BR" sz="2400" dirty="0" smtClean="0"/>
                         <a:t>Algoritmo</a:t>
                       </a:r>
-                      <a:endParaRPr lang="pt-BR" dirty="0"/>
+                      <a:endParaRPr lang="pt-BR" sz="2400" dirty="0"/>
                     </a:p>
                   </a:txBody>
                   <a:tcPr anchor="ctr"/>
@@ -15689,10 +15682,10 @@
                     <a:lstStyle/>
                     <a:p>
                       <a:r>
-                        <a:rPr lang="pt-BR" dirty="0" smtClean="0"/>
+                        <a:rPr lang="pt-BR" sz="2400" dirty="0" smtClean="0"/>
                         <a:t>Número de cluster</a:t>
                       </a:r>
-                      <a:endParaRPr lang="pt-BR" dirty="0"/>
+                      <a:endParaRPr lang="pt-BR" sz="2400" dirty="0"/>
                     </a:p>
                   </a:txBody>
                   <a:tcPr anchor="ctr"/>
@@ -15705,14 +15698,14 @@
                     <a:lstStyle/>
                     <a:p>
                       <a:r>
-                        <a:rPr lang="pt-BR" dirty="0" smtClean="0"/>
+                        <a:rPr lang="pt-BR" sz="2400" dirty="0" smtClean="0"/>
                         <a:t>K-</a:t>
                       </a:r>
                       <a:r>
-                        <a:rPr lang="pt-BR" dirty="0" err="1" smtClean="0"/>
+                        <a:rPr lang="pt-BR" sz="2400" dirty="0" err="1" smtClean="0"/>
                         <a:t>means</a:t>
                       </a:r>
-                      <a:endParaRPr lang="pt-BR" dirty="0"/>
+                      <a:endParaRPr lang="pt-BR" sz="2400" dirty="0"/>
                     </a:p>
                   </a:txBody>
                   <a:tcPr anchor="ctr"/>
@@ -15723,10 +15716,10 @@
                     <a:lstStyle/>
                     <a:p>
                       <a:r>
-                        <a:rPr lang="pt-BR" dirty="0" smtClean="0"/>
+                        <a:rPr lang="pt-BR" sz="2400" dirty="0" smtClean="0"/>
                         <a:t>4</a:t>
                       </a:r>
-                      <a:endParaRPr lang="pt-BR" dirty="0"/>
+                      <a:endParaRPr lang="pt-BR" sz="2400" dirty="0"/>
                     </a:p>
                   </a:txBody>
                   <a:tcPr anchor="ctr"/>
@@ -15746,8 +15739,8 @@
         </p:nvSpPr>
         <p:spPr>
           <a:xfrm>
-            <a:off x="467545" y="1772816"/>
-            <a:ext cx="3384376" cy="4248472"/>
+            <a:off x="467545" y="1124744"/>
+            <a:ext cx="3384376" cy="4896544"/>
           </a:xfrm>
           <a:prstGeom prst="rect">
             <a:avLst/>
@@ -15940,10 +15933,10 @@
               </a:buClr>
             </a:pPr>
             <a:r>
-              <a:rPr lang="pt-BR" sz="2000" dirty="0"/>
+              <a:rPr lang="pt-BR" sz="2800" dirty="0"/>
               <a:t>3.260 registros;</a:t>
             </a:r>
-            <a:endParaRPr lang="pt-BR" sz="1800" dirty="0"/>
+            <a:endParaRPr lang="pt-BR" dirty="0"/>
           </a:p>
           <a:p>
             <a:pPr marL="274320" lvl="1" indent="-274320">
@@ -15958,7 +15951,7 @@
               </a:buClr>
             </a:pPr>
             <a:r>
-              <a:rPr lang="pt-BR" sz="2000" dirty="0" smtClean="0"/>
+              <a:rPr lang="pt-BR" sz="2800" dirty="0" smtClean="0"/>
               <a:t>13 campos:</a:t>
             </a:r>
           </a:p>
@@ -15969,11 +15962,11 @@
               </a:lnSpc>
             </a:pPr>
             <a:r>
-              <a:rPr lang="pt-BR" sz="2000" dirty="0" err="1" smtClean="0"/>
+              <a:rPr lang="pt-BR" sz="2800" dirty="0" err="1" smtClean="0"/>
               <a:t>State</a:t>
             </a:r>
             <a:r>
-              <a:rPr lang="pt-BR" sz="2000" dirty="0" smtClean="0"/>
+              <a:rPr lang="pt-BR" sz="2800" dirty="0" smtClean="0"/>
               <a:t>;</a:t>
             </a:r>
           </a:p>
@@ -15984,11 +15977,11 @@
               </a:lnSpc>
             </a:pPr>
             <a:r>
-              <a:rPr lang="pt-BR" sz="2000" dirty="0" err="1" smtClean="0"/>
+              <a:rPr lang="pt-BR" sz="2800" dirty="0" err="1" smtClean="0"/>
               <a:t>Skills</a:t>
             </a:r>
             <a:r>
-              <a:rPr lang="pt-BR" sz="2000" dirty="0" smtClean="0"/>
+              <a:rPr lang="pt-BR" sz="2800" dirty="0" smtClean="0"/>
               <a:t>;</a:t>
             </a:r>
           </a:p>
@@ -15999,11 +15992,11 @@
               </a:lnSpc>
             </a:pPr>
             <a:r>
-              <a:rPr lang="pt-BR" sz="2000" dirty="0" err="1" smtClean="0"/>
+              <a:rPr lang="pt-BR" sz="2800" dirty="0" err="1" smtClean="0"/>
               <a:t>Education</a:t>
             </a:r>
             <a:r>
-              <a:rPr lang="pt-BR" sz="2000" dirty="0" smtClean="0"/>
+              <a:rPr lang="pt-BR" sz="2800" dirty="0" smtClean="0"/>
               <a:t>;</a:t>
             </a:r>
           </a:p>
@@ -16014,11 +16007,11 @@
               </a:lnSpc>
             </a:pPr>
             <a:r>
-              <a:rPr lang="pt-BR" sz="2000" dirty="0" err="1" smtClean="0"/>
+              <a:rPr lang="pt-BR" sz="2800" dirty="0" err="1" smtClean="0"/>
               <a:t>Language</a:t>
             </a:r>
             <a:r>
-              <a:rPr lang="pt-BR" sz="2000" dirty="0" smtClean="0"/>
+              <a:rPr lang="pt-BR" sz="2800" dirty="0" smtClean="0"/>
               <a:t>.</a:t>
             </a:r>
           </a:p>
@@ -16034,7 +16027,7 @@
                 <a:schemeClr val="accent1"/>
               </a:buClr>
             </a:pPr>
-            <a:endParaRPr lang="pt-BR" sz="2000" dirty="0" smtClean="0"/>
+            <a:endParaRPr lang="pt-BR" sz="2800" dirty="0" smtClean="0"/>
           </a:p>
           <a:p>
             <a:pPr marL="274320" lvl="1" indent="-274320">
@@ -16048,7 +16041,7 @@
                 <a:schemeClr val="accent1"/>
               </a:buClr>
             </a:pPr>
-            <a:endParaRPr lang="pt-BR" sz="2000" dirty="0" smtClean="0"/>
+            <a:endParaRPr lang="pt-BR" sz="2800" dirty="0" smtClean="0"/>
           </a:p>
           <a:p>
             <a:pPr marL="274320" lvl="1" indent="-274320">
@@ -16062,7 +16055,7 @@
                 <a:schemeClr val="accent1"/>
               </a:buClr>
             </a:pPr>
-            <a:endParaRPr lang="pt-BR" sz="2000" dirty="0" smtClean="0"/>
+            <a:endParaRPr lang="pt-BR" sz="2800" dirty="0" smtClean="0"/>
           </a:p>
           <a:p>
             <a:pPr marL="548640" lvl="2" indent="-274320">
@@ -16076,7 +16069,7 @@
                 <a:schemeClr val="accent1"/>
               </a:buClr>
             </a:pPr>
-            <a:endParaRPr lang="pt-BR" sz="1800" dirty="0" smtClean="0"/>
+            <a:endParaRPr lang="pt-BR" sz="2400" dirty="0" smtClean="0"/>
           </a:p>
           <a:p>
             <a:pPr marL="274320" lvl="1" indent="-274320">
@@ -16090,7 +16083,7 @@
                 <a:schemeClr val="accent1"/>
               </a:buClr>
             </a:pPr>
-            <a:endParaRPr lang="pt-BR" dirty="0" smtClean="0"/>
+            <a:endParaRPr lang="pt-BR" sz="3200" dirty="0" smtClean="0"/>
           </a:p>
           <a:p>
             <a:pPr>
@@ -16098,14 +16091,14 @@
                 <a:spcPct val="200000"/>
               </a:lnSpc>
             </a:pPr>
-            <a:endParaRPr lang="pt-BR" sz="2400" dirty="0" smtClean="0"/>
+            <a:endParaRPr lang="pt-BR" sz="3200" dirty="0" smtClean="0"/>
           </a:p>
         </p:txBody>
       </p:sp>
     </p:spTree>
     <p:extLst>
       <p:ext uri="{BB962C8B-B14F-4D97-AF65-F5344CB8AC3E}">
-        <p14:creationId xmlns:p14="http://schemas.microsoft.com/office/powerpoint/2010/main" val="986935197"/>
+        <p14:creationId xmlns:p14="http://schemas.microsoft.com/office/powerpoint/2010/main" xmlns="" val="986935197"/>
       </p:ext>
     </p:extLst>
   </p:cSld>
@@ -16458,11 +16451,11 @@
               </a:buClr>
             </a:pPr>
             <a:r>
-              <a:rPr lang="pt-BR" sz="1800" dirty="0" err="1" smtClean="0"/>
+              <a:rPr lang="pt-BR" sz="2100" dirty="0" err="1" smtClean="0"/>
               <a:t>Title</a:t>
             </a:r>
             <a:r>
-              <a:rPr lang="pt-BR" sz="1800" dirty="0" smtClean="0"/>
+              <a:rPr lang="pt-BR" sz="2100" dirty="0" smtClean="0"/>
               <a:t>;</a:t>
             </a:r>
           </a:p>
@@ -16479,11 +16472,11 @@
               </a:buClr>
             </a:pPr>
             <a:r>
-              <a:rPr lang="pt-BR" sz="1800" dirty="0" err="1" smtClean="0"/>
+              <a:rPr lang="pt-BR" sz="2100" dirty="0" err="1" smtClean="0"/>
               <a:t>Recommend</a:t>
             </a:r>
             <a:r>
-              <a:rPr lang="pt-BR" sz="1800" dirty="0" smtClean="0"/>
+              <a:rPr lang="pt-BR" sz="2100" dirty="0" smtClean="0"/>
               <a:t>.</a:t>
             </a:r>
           </a:p>
@@ -16498,7 +16491,7 @@
           <p:nvPr>
             <p:extLst>
               <p:ext uri="{D42A27DB-BD31-4B8C-83A1-F6EECF244321}">
-                <p14:modId xmlns:p14="http://schemas.microsoft.com/office/powerpoint/2010/main" val="2518656896"/>
+                <p14:modId xmlns:p14="http://schemas.microsoft.com/office/powerpoint/2010/main" xmlns="" val="2518656896"/>
               </p:ext>
             </p:extLst>
           </p:nvPr>
@@ -16550,10 +16543,10 @@
                     <a:lstStyle/>
                     <a:p>
                       <a:r>
-                        <a:rPr lang="pt-BR" dirty="0" err="1" smtClean="0"/>
+                        <a:rPr lang="pt-BR" b="1" dirty="0" err="1" smtClean="0"/>
                         <a:t>Name</a:t>
                       </a:r>
-                      <a:endParaRPr lang="pt-BR" dirty="0"/>
+                      <a:endParaRPr lang="pt-BR" b="1" dirty="0"/>
                     </a:p>
                   </a:txBody>
                   <a:tcPr/>
@@ -16564,14 +16557,14 @@
                     <a:lstStyle/>
                     <a:p>
                       <a:r>
-                        <a:rPr lang="pt-BR" dirty="0" smtClean="0"/>
+                        <a:rPr lang="pt-BR" b="1" dirty="0" smtClean="0"/>
                         <a:t>% </a:t>
                       </a:r>
                       <a:r>
-                        <a:rPr lang="pt-BR" dirty="0" err="1" smtClean="0"/>
+                        <a:rPr lang="pt-BR" b="1" dirty="0" err="1" smtClean="0"/>
                         <a:t>Populated</a:t>
                       </a:r>
-                      <a:endParaRPr lang="pt-BR" dirty="0"/>
+                      <a:endParaRPr lang="pt-BR" b="1" dirty="0"/>
                     </a:p>
                   </a:txBody>
                   <a:tcPr/>
@@ -16620,7 +16613,7 @@
           <p:nvPr>
             <p:extLst>
               <p:ext uri="{D42A27DB-BD31-4B8C-83A1-F6EECF244321}">
-                <p14:modId xmlns:p14="http://schemas.microsoft.com/office/powerpoint/2010/main" val="3233227371"/>
+                <p14:modId xmlns:p14="http://schemas.microsoft.com/office/powerpoint/2010/main" xmlns="" val="3233227371"/>
               </p:ext>
             </p:extLst>
           </p:nvPr>
@@ -16689,10 +16682,10 @@
                     <a:lstStyle/>
                     <a:p>
                       <a:r>
-                        <a:rPr lang="pt-BR" dirty="0" err="1" smtClean="0"/>
+                        <a:rPr lang="pt-BR" b="1" dirty="0" err="1" smtClean="0"/>
                         <a:t>Name</a:t>
                       </a:r>
-                      <a:endParaRPr lang="pt-BR" dirty="0"/>
+                      <a:endParaRPr lang="pt-BR" b="1" dirty="0"/>
                     </a:p>
                   </a:txBody>
                   <a:tcPr/>
@@ -16703,14 +16696,14 @@
                     <a:lstStyle/>
                     <a:p>
                       <a:r>
-                        <a:rPr lang="pt-BR" dirty="0" smtClean="0"/>
+                        <a:rPr lang="pt-BR" b="1" dirty="0" smtClean="0"/>
                         <a:t>% </a:t>
                       </a:r>
                       <a:r>
-                        <a:rPr lang="pt-BR" dirty="0" err="1" smtClean="0"/>
+                        <a:rPr lang="pt-BR" b="1" dirty="0" err="1" smtClean="0"/>
                         <a:t>Populated</a:t>
                       </a:r>
-                      <a:endParaRPr lang="pt-BR" dirty="0"/>
+                      <a:endParaRPr lang="pt-BR" b="1" dirty="0"/>
                     </a:p>
                   </a:txBody>
                   <a:tcPr/>
@@ -16971,7 +16964,7 @@
               </a:buClr>
             </a:pPr>
             <a:r>
-              <a:rPr lang="pt-BR" sz="1800" dirty="0" smtClean="0"/>
+              <a:rPr lang="pt-BR" sz="2100" dirty="0" smtClean="0"/>
               <a:t>Yes – 52,47%; </a:t>
             </a:r>
           </a:p>
@@ -16988,7 +16981,7 @@
               </a:buClr>
             </a:pPr>
             <a:r>
-              <a:rPr lang="pt-BR" sz="1800" dirty="0" smtClean="0"/>
+              <a:rPr lang="pt-BR" sz="2100" dirty="0" smtClean="0"/>
               <a:t>No – 26.39% ;</a:t>
             </a:r>
           </a:p>
@@ -17005,11 +16998,11 @@
               </a:buClr>
             </a:pPr>
             <a:r>
-              <a:rPr lang="pt-BR" sz="1800" dirty="0"/>
+              <a:rPr lang="pt-BR" sz="2100" dirty="0"/>
               <a:t>NI – </a:t>
             </a:r>
             <a:r>
-              <a:rPr lang="pt-BR" sz="1800" dirty="0" smtClean="0"/>
+              <a:rPr lang="pt-BR" sz="2100" dirty="0" smtClean="0"/>
               <a:t>21.12%.</a:t>
             </a:r>
           </a:p>
@@ -17018,7 +17011,7 @@
     </p:spTree>
     <p:extLst>
       <p:ext uri="{BB962C8B-B14F-4D97-AF65-F5344CB8AC3E}">
-        <p14:creationId xmlns:p14="http://schemas.microsoft.com/office/powerpoint/2010/main" val="979217967"/>
+        <p14:creationId xmlns:p14="http://schemas.microsoft.com/office/powerpoint/2010/main" xmlns="" val="979217967"/>
       </p:ext>
     </p:extLst>
   </p:cSld>
@@ -17142,7 +17135,7 @@
     </p:spTree>
     <p:extLst>
       <p:ext uri="{BB962C8B-B14F-4D97-AF65-F5344CB8AC3E}">
-        <p14:creationId xmlns:p14="http://schemas.microsoft.com/office/powerpoint/2010/main" val="2134001267"/>
+        <p14:creationId xmlns:p14="http://schemas.microsoft.com/office/powerpoint/2010/main" xmlns="" val="2134001267"/>
       </p:ext>
     </p:extLst>
   </p:cSld>
@@ -17189,7 +17182,7 @@
         <p:spPr/>
         <p:txBody>
           <a:bodyPr>
-            <a:normAutofit fontScale="90000"/>
+            <a:normAutofit/>
           </a:bodyPr>
           <a:lstStyle/>
           <a:p>
@@ -17293,7 +17286,7 @@
           <p:nvPr>
             <p:extLst>
               <p:ext uri="{D42A27DB-BD31-4B8C-83A1-F6EECF244321}">
-                <p14:modId xmlns:p14="http://schemas.microsoft.com/office/powerpoint/2010/main" val="281415496"/>
+                <p14:modId xmlns:p14="http://schemas.microsoft.com/office/powerpoint/2010/main" xmlns="" val="281415496"/>
               </p:ext>
             </p:extLst>
           </p:nvPr>
@@ -17419,7 +17412,7 @@
           <p:nvPr>
             <p:extLst>
               <p:ext uri="{D42A27DB-BD31-4B8C-83A1-F6EECF244321}">
-                <p14:modId xmlns:p14="http://schemas.microsoft.com/office/powerpoint/2010/main" val="141876335"/>
+                <p14:modId xmlns:p14="http://schemas.microsoft.com/office/powerpoint/2010/main" xmlns="" val="141876335"/>
               </p:ext>
             </p:extLst>
           </p:nvPr>
@@ -17475,18 +17468,26 @@
                     <a:lstStyle/>
                     <a:p>
                       <a:r>
-                        <a:rPr lang="pt-BR" dirty="0" err="1" smtClean="0"/>
+                        <a:rPr lang="pt-BR" b="1" dirty="0" err="1" smtClean="0"/>
                         <a:t>Naive</a:t>
                       </a:r>
                       <a:r>
-                        <a:rPr lang="pt-BR" dirty="0" smtClean="0"/>
+                        <a:rPr lang="pt-BR" b="1" dirty="0" smtClean="0"/>
                         <a:t> </a:t>
                       </a:r>
                       <a:r>
-                        <a:rPr lang="pt-BR" dirty="0" err="1" smtClean="0"/>
+                        <a:rPr lang="pt-BR" b="1" dirty="0" err="1" smtClean="0"/>
                         <a:t>Bayes</a:t>
                       </a:r>
-                      <a:endParaRPr lang="pt-BR" dirty="0"/>
+                      <a:r>
+                        <a:rPr lang="pt-BR" b="1" dirty="0" smtClean="0"/>
+                        <a:t> </a:t>
+                      </a:r>
+                      <a:r>
+                        <a:rPr lang="pt-BR" b="1" dirty="0" err="1" smtClean="0"/>
+                        <a:t>Mult</a:t>
+                      </a:r>
+                      <a:endParaRPr lang="pt-BR" b="1" dirty="0"/>
                     </a:p>
                   </a:txBody>
                   <a:tcPr/>
@@ -17496,7 +17497,11 @@
                     <a:bodyPr/>
                     <a:lstStyle/>
                     <a:p>
-                      <a:endParaRPr lang="pt-BR" dirty="0"/>
+                      <a:r>
+                        <a:rPr lang="pt-BR" b="1" dirty="0" smtClean="0"/>
+                        <a:t>76.48%</a:t>
+                      </a:r>
+                      <a:endParaRPr lang="pt-BR" b="1" dirty="0"/>
                     </a:p>
                   </a:txBody>
                   <a:tcPr/>
@@ -17522,7 +17527,11 @@
                     <a:bodyPr/>
                     <a:lstStyle/>
                     <a:p>
-                      <a:endParaRPr lang="pt-BR"/>
+                      <a:r>
+                        <a:rPr lang="pt-BR" dirty="0" smtClean="0"/>
+                        <a:t>75,90%</a:t>
+                      </a:r>
+                      <a:endParaRPr lang="pt-BR" dirty="0"/>
                     </a:p>
                   </a:txBody>
                   <a:tcPr/>
@@ -17534,11 +17543,44 @@
                     <a:bodyPr/>
                     <a:lstStyle/>
                     <a:p>
+                      <a:pPr marL="0" marR="0" indent="0" algn="l" defTabSz="914400" rtl="0" eaLnBrk="1" fontAlgn="auto" latinLnBrk="0" hangingPunct="1">
+                        <a:lnSpc>
+                          <a:spcPct val="100000"/>
+                        </a:lnSpc>
+                        <a:spcBef>
+                          <a:spcPts val="0"/>
+                        </a:spcBef>
+                        <a:spcAft>
+                          <a:spcPts val="0"/>
+                        </a:spcAft>
+                        <a:buClrTx/>
+                        <a:buSzTx/>
+                        <a:buFontTx/>
+                        <a:buNone/>
+                        <a:tabLst/>
+                        <a:defRPr/>
+                      </a:pPr>
+                      <a:r>
+                        <a:rPr lang="pt-BR" dirty="0" err="1" smtClean="0"/>
+                        <a:t>Naive</a:t>
+                      </a:r>
                       <a:r>
                         <a:rPr lang="pt-BR" dirty="0" smtClean="0"/>
-                        <a:t>SVM</a:t>
+                        <a:t> </a:t>
                       </a:r>
-                      <a:endParaRPr lang="pt-BR" dirty="0"/>
+                      <a:r>
+                        <a:rPr lang="pt-BR" dirty="0" err="1" smtClean="0"/>
+                        <a:t>Bayes</a:t>
+                      </a:r>
+                      <a:r>
+                        <a:rPr lang="pt-BR" dirty="0" smtClean="0"/>
+                        <a:t> </a:t>
+                      </a:r>
+                      <a:r>
+                        <a:rPr lang="pt-BR" dirty="0" err="1" smtClean="0"/>
+                        <a:t>Binom</a:t>
+                      </a:r>
+                      <a:endParaRPr lang="pt-BR" dirty="0" smtClean="0"/>
                     </a:p>
                   </a:txBody>
                   <a:tcPr/>
@@ -17548,7 +17590,11 @@
                     <a:bodyPr/>
                     <a:lstStyle/>
                     <a:p>
-                      <a:endParaRPr lang="pt-BR"/>
+                      <a:r>
+                        <a:rPr lang="pt-BR" dirty="0" smtClean="0"/>
+                        <a:t>76,02%</a:t>
+                      </a:r>
+                      <a:endParaRPr lang="pt-BR" dirty="0"/>
                     </a:p>
                   </a:txBody>
                   <a:tcPr/>
@@ -17578,6 +17624,10 @@
                     <a:bodyPr/>
                     <a:lstStyle/>
                     <a:p>
+                      <a:r>
+                        <a:rPr lang="pt-BR" dirty="0" smtClean="0"/>
+                        <a:t>76,01%</a:t>
+                      </a:r>
                       <a:endParaRPr lang="pt-BR" dirty="0"/>
                     </a:p>
                   </a:txBody>
@@ -17734,7 +17784,7 @@
     </p:spTree>
     <p:extLst>
       <p:ext uri="{BB962C8B-B14F-4D97-AF65-F5344CB8AC3E}">
-        <p14:creationId xmlns:p14="http://schemas.microsoft.com/office/powerpoint/2010/main" val="241265514"/>
+        <p14:creationId xmlns:p14="http://schemas.microsoft.com/office/powerpoint/2010/main" xmlns="" val="241265514"/>
       </p:ext>
     </p:extLst>
   </p:cSld>
@@ -17887,7 +17937,7 @@
         <p:spPr/>
         <p:txBody>
           <a:bodyPr>
-            <a:normAutofit fontScale="92500" lnSpcReduction="20000"/>
+            <a:normAutofit/>
           </a:bodyPr>
           <a:lstStyle/>
           <a:p>
@@ -18195,10 +18245,10 @@
           <p:nvPr/>
         </p:nvPicPr>
         <p:blipFill>
-          <a:blip r:embed="rId2">
+          <a:blip r:embed="rId2" cstate="print">
             <a:extLst>
               <a:ext uri="{28A0092B-C50C-407E-A947-70E740481C1C}">
-                <a14:useLocalDpi xmlns:a14="http://schemas.microsoft.com/office/drawing/2010/main" val="0"/>
+                <a14:useLocalDpi xmlns:a14="http://schemas.microsoft.com/office/drawing/2010/main" xmlns="" val="0"/>
               </a:ext>
             </a:extLst>
           </a:blip>
@@ -18227,7 +18277,7 @@
           </a:effectLst>
           <a:extLst>
             <a:ext uri="{909E8E84-426E-40DD-AFC4-6F175D3DCCD1}">
-              <a14:hiddenFill xmlns:a14="http://schemas.microsoft.com/office/drawing/2010/main">
+              <a14:hiddenFill xmlns:a14="http://schemas.microsoft.com/office/drawing/2010/main" xmlns="">
                 <a:solidFill>
                   <a:srgbClr val="FFFFFF"/>
                 </a:solidFill>
@@ -18396,7 +18446,7 @@
     </p:spTree>
     <p:extLst>
       <p:ext uri="{BB962C8B-B14F-4D97-AF65-F5344CB8AC3E}">
-        <p14:creationId xmlns:p14="http://schemas.microsoft.com/office/powerpoint/2010/main" val="1432918513"/>
+        <p14:creationId xmlns:p14="http://schemas.microsoft.com/office/powerpoint/2010/main" xmlns="" val="1432918513"/>
       </p:ext>
     </p:extLst>
   </p:cSld>
